--- a/slides/2017-09-21-Error-Handlers-Reading.pptx
+++ b/slides/2017-09-21-Error-Handlers-Reading.pptx
@@ -9,7 +9,9 @@
     <p:sldId id="257" r:id="rId3"/>
     <p:sldId id="258" r:id="rId4"/>
     <p:sldId id="259" r:id="rId5"/>
-    <p:sldId id="260" r:id="rId6"/>
+    <p:sldId id="262" r:id="rId6"/>
+    <p:sldId id="260" r:id="rId7"/>
+    <p:sldId id="261" r:id="rId8"/>
   </p:sldIdLst>
   <p:sldSz cx="12192000" cy="6858000"/>
   <p:notesSz cx="6858000" cy="9144000"/>
@@ -108,6 +110,11 @@
       </a:defRPr>
     </a:lvl9pPr>
   </p:defaultTextStyle>
+  <p:extLst>
+    <p:ext uri="{EFAFB233-063F-42B5-8137-9DF3F51BA10A}">
+      <p15:sldGuideLst xmlns:p15="http://schemas.microsoft.com/office/powerpoint/2012/main"/>
+    </p:ext>
+  </p:extLst>
 </p:presentation>
 </file>
 
@@ -242,7 +249,7 @@
           <a:p>
             <a:fld id="{9A76E284-8BEB-CB4B-8DE1-A2CBA4136BE7}" type="datetimeFigureOut">
               <a:rPr lang="en-US" smtClean="0"/>
-              <a:t>9/13/17</a:t>
+              <a:t>9/22/17</a:t>
             </a:fld>
             <a:endParaRPr lang="en-US"/>
           </a:p>
@@ -412,7 +419,7 @@
           <a:p>
             <a:fld id="{9A76E284-8BEB-CB4B-8DE1-A2CBA4136BE7}" type="datetimeFigureOut">
               <a:rPr lang="en-US" smtClean="0"/>
-              <a:t>9/13/17</a:t>
+              <a:t>9/22/17</a:t>
             </a:fld>
             <a:endParaRPr lang="en-US"/>
           </a:p>
@@ -592,7 +599,7 @@
           <a:p>
             <a:fld id="{9A76E284-8BEB-CB4B-8DE1-A2CBA4136BE7}" type="datetimeFigureOut">
               <a:rPr lang="en-US" smtClean="0"/>
-              <a:t>9/13/17</a:t>
+              <a:t>9/22/17</a:t>
             </a:fld>
             <a:endParaRPr lang="en-US"/>
           </a:p>
@@ -762,7 +769,7 @@
           <a:p>
             <a:fld id="{9A76E284-8BEB-CB4B-8DE1-A2CBA4136BE7}" type="datetimeFigureOut">
               <a:rPr lang="en-US" smtClean="0"/>
-              <a:t>9/13/17</a:t>
+              <a:t>9/22/17</a:t>
             </a:fld>
             <a:endParaRPr lang="en-US"/>
           </a:p>
@@ -1008,7 +1015,7 @@
           <a:p>
             <a:fld id="{9A76E284-8BEB-CB4B-8DE1-A2CBA4136BE7}" type="datetimeFigureOut">
               <a:rPr lang="en-US" smtClean="0"/>
-              <a:t>9/13/17</a:t>
+              <a:t>9/22/17</a:t>
             </a:fld>
             <a:endParaRPr lang="en-US"/>
           </a:p>
@@ -1240,7 +1247,7 @@
           <a:p>
             <a:fld id="{9A76E284-8BEB-CB4B-8DE1-A2CBA4136BE7}" type="datetimeFigureOut">
               <a:rPr lang="en-US" smtClean="0"/>
-              <a:t>9/13/17</a:t>
+              <a:t>9/22/17</a:t>
             </a:fld>
             <a:endParaRPr lang="en-US"/>
           </a:p>
@@ -1607,7 +1614,7 @@
           <a:p>
             <a:fld id="{9A76E284-8BEB-CB4B-8DE1-A2CBA4136BE7}" type="datetimeFigureOut">
               <a:rPr lang="en-US" smtClean="0"/>
-              <a:t>9/13/17</a:t>
+              <a:t>9/22/17</a:t>
             </a:fld>
             <a:endParaRPr lang="en-US"/>
           </a:p>
@@ -1725,7 +1732,7 @@
           <a:p>
             <a:fld id="{9A76E284-8BEB-CB4B-8DE1-A2CBA4136BE7}" type="datetimeFigureOut">
               <a:rPr lang="en-US" smtClean="0"/>
-              <a:t>9/13/17</a:t>
+              <a:t>9/22/17</a:t>
             </a:fld>
             <a:endParaRPr lang="en-US"/>
           </a:p>
@@ -1820,7 +1827,7 @@
           <a:p>
             <a:fld id="{9A76E284-8BEB-CB4B-8DE1-A2CBA4136BE7}" type="datetimeFigureOut">
               <a:rPr lang="en-US" smtClean="0"/>
-              <a:t>9/13/17</a:t>
+              <a:t>9/22/17</a:t>
             </a:fld>
             <a:endParaRPr lang="en-US"/>
           </a:p>
@@ -2097,7 +2104,7 @@
           <a:p>
             <a:fld id="{9A76E284-8BEB-CB4B-8DE1-A2CBA4136BE7}" type="datetimeFigureOut">
               <a:rPr lang="en-US" smtClean="0"/>
-              <a:t>9/13/17</a:t>
+              <a:t>9/22/17</a:t>
             </a:fld>
             <a:endParaRPr lang="en-US"/>
           </a:p>
@@ -2350,7 +2357,7 @@
           <a:p>
             <a:fld id="{9A76E284-8BEB-CB4B-8DE1-A2CBA4136BE7}" type="datetimeFigureOut">
               <a:rPr lang="en-US" smtClean="0"/>
-              <a:t>9/13/17</a:t>
+              <a:t>9/22/17</a:t>
             </a:fld>
             <a:endParaRPr lang="en-US"/>
           </a:p>
@@ -2563,7 +2570,7 @@
           <a:p>
             <a:fld id="{9A76E284-8BEB-CB4B-8DE1-A2CBA4136BE7}" type="datetimeFigureOut">
               <a:rPr lang="en-US" smtClean="0"/>
-              <a:t>9/13/17</a:t>
+              <a:t>9/22/17</a:t>
             </a:fld>
             <a:endParaRPr lang="en-US"/>
           </a:p>
@@ -3030,6 +3037,13 @@
   <p:clrMapOvr>
     <a:masterClrMapping/>
   </p:clrMapOvr>
+  <p:timing>
+    <p:tnLst>
+      <p:par>
+        <p:cTn id="1" dur="indefinite" restart="never" nodeType="tmRoot"/>
+      </p:par>
+    </p:tnLst>
+  </p:timing>
 </p:sld>
 </file>
 
@@ -3090,7 +3104,7 @@
           <a:p>
             <a:r>
               <a:rPr lang="en-US" dirty="0" smtClean="0"/>
-              <a:t>Clarify the existing definitions of errors and MPI Error Handlers (issue #1)</a:t>
+              <a:t>#1: Clarify the existing definitions of errors and MPI Error Handlers</a:t>
             </a:r>
           </a:p>
           <a:p>
@@ -3103,7 +3117,7 @@
           <a:p>
             <a:r>
               <a:rPr lang="en-US" dirty="0" smtClean="0"/>
-              <a:t>Add new definitions to make error handlers more useful (issue #3)</a:t>
+              <a:t>#3: Add new definitions to make error handlers more useful</a:t>
             </a:r>
             <a:endParaRPr lang="en-US" dirty="0"/>
           </a:p>
@@ -3119,6 +3133,13 @@
   <p:clrMapOvr>
     <a:masterClrMapping/>
   </p:clrMapOvr>
+  <p:timing>
+    <p:tnLst>
+      <p:par>
+        <p:cTn id="1" dur="indefinite" restart="never" nodeType="tmRoot"/>
+      </p:par>
+    </p:tnLst>
+  </p:timing>
 </p:sld>
 </file>
 
@@ -3175,7 +3196,7 @@
         <p:spPr/>
         <p:txBody>
           <a:bodyPr>
-            <a:normAutofit fontScale="92500" lnSpcReduction="10000"/>
+            <a:normAutofit lnSpcReduction="10000"/>
           </a:bodyPr>
           <a:lstStyle/>
           <a:p>
@@ -3195,13 +3216,6 @@
             <a:r>
               <a:rPr lang="en-US" dirty="0" smtClean="0"/>
               <a:t>Multiple changes in Section 8.3</a:t>
-            </a:r>
-          </a:p>
-          <a:p>
-            <a:pPr lvl="1"/>
-            <a:r>
-              <a:rPr lang="en-US" dirty="0" smtClean="0"/>
-              <a:t>Add pointer back to 2.8</a:t>
             </a:r>
           </a:p>
           <a:p>
@@ -3249,14 +3263,15 @@
             <a:pPr lvl="1"/>
             <a:r>
               <a:rPr lang="en-US" dirty="0" smtClean="0"/>
-              <a:t>Remove unneeded rationale</a:t>
-            </a:r>
-          </a:p>
-          <a:p>
-            <a:pPr lvl="1"/>
-            <a:r>
-              <a:rPr lang="en-US" dirty="0" smtClean="0"/>
-              <a:t>Add advice to </a:t>
+              <a:t>Change unneeded rationale to</a:t>
+            </a:r>
+            <a:r>
+              <a:rPr lang="en-US" dirty="0"/>
+              <a:t> </a:t>
+            </a:r>
+            <a:r>
+              <a:rPr lang="en-US" dirty="0" smtClean="0"/>
+              <a:t>advice to </a:t>
             </a:r>
             <a:r>
               <a:rPr lang="en-US" dirty="0" err="1" smtClean="0"/>
@@ -3279,6 +3294,13 @@
   <p:clrMapOvr>
     <a:masterClrMapping/>
   </p:clrMapOvr>
+  <p:timing>
+    <p:tnLst>
+      <p:par>
+        <p:cTn id="1" dur="indefinite" restart="never" nodeType="tmRoot"/>
+      </p:par>
+    </p:tnLst>
+  </p:timing>
 </p:sld>
 </file>
 
@@ -3335,7 +3357,7 @@
         <p:spPr/>
         <p:txBody>
           <a:bodyPr>
-            <a:normAutofit lnSpcReduction="10000"/>
+            <a:normAutofit/>
           </a:bodyPr>
           <a:lstStyle/>
           <a:p>
@@ -3400,12 +3422,6 @@
             <a:r>
               <a:rPr lang="en-US" dirty="0" smtClean="0"/>
               <a:t> to MPI_ABORT</a:t>
-            </a:r>
-          </a:p>
-          <a:p>
-            <a:r>
-              <a:rPr lang="en-US" dirty="0" smtClean="0"/>
-              <a:t>Add changelog</a:t>
             </a:r>
             <a:endParaRPr lang="en-US" dirty="0"/>
           </a:p>
@@ -3421,6 +3437,13 @@
   <p:clrMapOvr>
     <a:masterClrMapping/>
   </p:clrMapOvr>
+  <p:timing>
+    <p:tnLst>
+      <p:par>
+        <p:cTn id="1" dur="indefinite" restart="never" nodeType="tmRoot"/>
+      </p:par>
+    </p:tnLst>
+  </p:timing>
 </p:sld>
 </file>
 
@@ -3443,6 +3466,116 @@
       </p:grpSpPr>
       <p:sp>
         <p:nvSpPr>
+          <p:cNvPr id="2" name="Title 1"/>
+          <p:cNvSpPr>
+            <a:spLocks noGrp="1"/>
+          </p:cNvSpPr>
+          <p:nvPr>
+            <p:ph type="title"/>
+          </p:nvPr>
+        </p:nvSpPr>
+        <p:spPr/>
+        <p:txBody>
+          <a:bodyPr/>
+          <a:lstStyle/>
+          <a:p>
+            <a:r>
+              <a:rPr lang="en-US" dirty="0" smtClean="0"/>
+              <a:t>Backward Incompatibility</a:t>
+            </a:r>
+            <a:endParaRPr lang="en-US" dirty="0"/>
+          </a:p>
+        </p:txBody>
+      </p:sp>
+      <p:sp>
+        <p:nvSpPr>
+          <p:cNvPr id="3" name="Content Placeholder 2"/>
+          <p:cNvSpPr>
+            <a:spLocks noGrp="1"/>
+          </p:cNvSpPr>
+          <p:nvPr>
+            <p:ph idx="1"/>
+          </p:nvPr>
+        </p:nvSpPr>
+        <p:spPr/>
+        <p:txBody>
+          <a:bodyPr/>
+          <a:lstStyle/>
+          <a:p>
+            <a:r>
+              <a:rPr lang="en-US" dirty="0" smtClean="0"/>
+              <a:t>Note that there is some backward incompatibility here:</a:t>
+            </a:r>
+          </a:p>
+          <a:p>
+            <a:pPr lvl="1"/>
+            <a:r>
+              <a:rPr lang="en-US" dirty="0" smtClean="0"/>
+              <a:t>Changing the default communicator where error handlers are raised could potentially cause problems for applications which assumed the previous behavior.</a:t>
+            </a:r>
+          </a:p>
+          <a:p>
+            <a:r>
+              <a:rPr lang="en-US" dirty="0" smtClean="0"/>
+              <a:t>This will make the applications less likely to abort in the case of some errors.</a:t>
+            </a:r>
+          </a:p>
+          <a:p>
+            <a:r>
+              <a:rPr lang="en-US" dirty="0" smtClean="0"/>
+              <a:t>We took a straw vote at a previous meeting (Bordeaux, 2015) and the forum was </a:t>
+            </a:r>
+            <a:r>
+              <a:rPr lang="en-US" i="1" dirty="0" smtClean="0"/>
+              <a:t>almost</a:t>
+            </a:r>
+            <a:r>
+              <a:rPr lang="en-US" dirty="0" smtClean="0"/>
+              <a:t> unanimously OK with this.</a:t>
+            </a:r>
+            <a:endParaRPr lang="en-US" dirty="0"/>
+          </a:p>
+        </p:txBody>
+      </p:sp>
+    </p:spTree>
+    <p:extLst>
+      <p:ext uri="{BB962C8B-B14F-4D97-AF65-F5344CB8AC3E}">
+        <p14:creationId xmlns:p14="http://schemas.microsoft.com/office/powerpoint/2010/main" val="2117870925"/>
+      </p:ext>
+    </p:extLst>
+  </p:cSld>
+  <p:clrMapOvr>
+    <a:masterClrMapping/>
+  </p:clrMapOvr>
+  <p:timing>
+    <p:tnLst>
+      <p:par>
+        <p:cTn id="1" dur="indefinite" restart="never" nodeType="tmRoot"/>
+      </p:par>
+    </p:tnLst>
+  </p:timing>
+</p:sld>
+</file>
+
+<file path=ppt/slides/slide6.xml><?xml version="1.0" encoding="utf-8"?>
+<p:sld xmlns:a="http://schemas.openxmlformats.org/drawingml/2006/main" xmlns:r="http://schemas.openxmlformats.org/officeDocument/2006/relationships" xmlns:p="http://schemas.openxmlformats.org/presentationml/2006/main">
+  <p:cSld>
+    <p:spTree>
+      <p:nvGrpSpPr>
+        <p:cNvPr id="1" name=""/>
+        <p:cNvGrpSpPr/>
+        <p:nvPr/>
+      </p:nvGrpSpPr>
+      <p:grpSpPr>
+        <a:xfrm>
+          <a:off x="0" y="0"/>
+          <a:ext cx="0" cy="0"/>
+          <a:chOff x="0" y="0"/>
+          <a:chExt cx="0" cy="0"/>
+        </a:xfrm>
+      </p:grpSpPr>
+      <p:sp>
+        <p:nvSpPr>
           <p:cNvPr id="4" name="Title 3"/>
           <p:cNvSpPr>
             <a:spLocks noGrp="1"/>
@@ -3474,6 +3607,142 @@
   <p:clrMapOvr>
     <a:masterClrMapping/>
   </p:clrMapOvr>
+  <p:timing>
+    <p:tnLst>
+      <p:par>
+        <p:cTn id="1" dur="indefinite" restart="never" nodeType="tmRoot"/>
+      </p:par>
+    </p:tnLst>
+  </p:timing>
+</p:sld>
+</file>
+
+<file path=ppt/slides/slide7.xml><?xml version="1.0" encoding="utf-8"?>
+<p:sld xmlns:a="http://schemas.openxmlformats.org/drawingml/2006/main" xmlns:r="http://schemas.openxmlformats.org/officeDocument/2006/relationships" xmlns:p="http://schemas.openxmlformats.org/presentationml/2006/main">
+  <p:cSld>
+    <p:spTree>
+      <p:nvGrpSpPr>
+        <p:cNvPr id="1" name=""/>
+        <p:cNvGrpSpPr/>
+        <p:nvPr/>
+      </p:nvGrpSpPr>
+      <p:grpSpPr>
+        <a:xfrm>
+          <a:off x="0" y="0"/>
+          <a:ext cx="0" cy="0"/>
+          <a:chOff x="0" y="0"/>
+          <a:chExt cx="0" cy="0"/>
+        </a:xfrm>
+      </p:grpSpPr>
+      <p:sp>
+        <p:nvSpPr>
+          <p:cNvPr id="4" name="Title 3"/>
+          <p:cNvSpPr>
+            <a:spLocks noGrp="1"/>
+          </p:cNvSpPr>
+          <p:nvPr>
+            <p:ph type="title"/>
+          </p:nvPr>
+        </p:nvSpPr>
+        <p:spPr/>
+        <p:txBody>
+          <a:bodyPr/>
+          <a:lstStyle/>
+          <a:p>
+            <a:r>
+              <a:rPr lang="en-US" dirty="0" smtClean="0"/>
+              <a:t>Pessimistic Straw Vote</a:t>
+            </a:r>
+            <a:endParaRPr lang="en-US" dirty="0"/>
+          </a:p>
+        </p:txBody>
+      </p:sp>
+      <p:sp>
+        <p:nvSpPr>
+          <p:cNvPr id="5" name="Content Placeholder 4"/>
+          <p:cNvSpPr>
+            <a:spLocks noGrp="1"/>
+          </p:cNvSpPr>
+          <p:nvPr>
+            <p:ph idx="1"/>
+          </p:nvPr>
+        </p:nvSpPr>
+        <p:spPr/>
+        <p:txBody>
+          <a:bodyPr/>
+          <a:lstStyle/>
+          <a:p>
+            <a:r>
+              <a:rPr lang="en-US" dirty="0" smtClean="0"/>
+              <a:t>If we make the discussed changes, is everyone ok with this?</a:t>
+            </a:r>
+          </a:p>
+          <a:p>
+            <a:endParaRPr lang="en-US" dirty="0"/>
+          </a:p>
+          <a:p>
+            <a:r>
+              <a:rPr lang="en-US" dirty="0" smtClean="0"/>
+              <a:t>Yes </a:t>
+            </a:r>
+            <a:r>
+              <a:rPr lang="mr-IN" dirty="0" smtClean="0"/>
+              <a:t>–</a:t>
+            </a:r>
+            <a:r>
+              <a:rPr lang="en-US" dirty="0" smtClean="0"/>
+              <a:t> Everyone</a:t>
+            </a:r>
+          </a:p>
+          <a:p>
+            <a:r>
+              <a:rPr lang="en-US" dirty="0" smtClean="0"/>
+              <a:t>No </a:t>
+            </a:r>
+            <a:r>
+              <a:rPr lang="mr-IN" dirty="0" smtClean="0"/>
+              <a:t>–</a:t>
+            </a:r>
+            <a:r>
+              <a:rPr lang="en-US" dirty="0" smtClean="0"/>
+              <a:t> No one</a:t>
+            </a:r>
+          </a:p>
+          <a:p>
+            <a:r>
+              <a:rPr lang="en-US" dirty="0" smtClean="0"/>
+              <a:t>(Purposeful) Abstain - 2</a:t>
+            </a:r>
+          </a:p>
+          <a:p>
+            <a:endParaRPr lang="en-US" dirty="0"/>
+          </a:p>
+          <a:p>
+            <a:r>
+              <a:rPr lang="en-US" dirty="0" smtClean="0"/>
+              <a:t>Reasons: Want to read it more</a:t>
+            </a:r>
+            <a:endParaRPr lang="en-US" dirty="0"/>
+          </a:p>
+        </p:txBody>
+      </p:sp>
+    </p:spTree>
+    <p:extLst>
+      <p:ext uri="{BB962C8B-B14F-4D97-AF65-F5344CB8AC3E}">
+        <p14:creationId xmlns:p14="http://schemas.microsoft.com/office/powerpoint/2010/main" val="1924291463"/>
+      </p:ext>
+    </p:extLst>
+  </p:cSld>
+  <p:clrMapOvr>
+    <a:masterClrMapping/>
+  </p:clrMapOvr>
+  <p:timing>
+    <p:tnLst>
+      <p:par>
+        <p:cTn id="1" dur="indefinite" restart="never" nodeType="tmRoot"/>
+      </p:par>
+    </p:tnLst>
+  </p:timing>
 </p:sld>
 </file>
 
